--- a/eece3170/sp16/lectures/eece.3170sp16_lec30_interrupts.pptx
+++ b/eece3170/sp16/lectures/eece.3170sp16_lec30_interrupts.pptx
@@ -557,7 +557,7 @@
             <a:tailEnd/>
           </a:ln>
           <a:extLst>
-            <a:ext uri="{909E8E84-426E-40dd-AFC4-6F175D3DCCD1}">
+            <a:ext uri="{909E8E84-426E-40DD-AFC4-6F175D3DCCD1}">
               <a14:hiddenFill xmlns:a14="http://schemas.microsoft.com/office/drawing/2010/main">
                 <a:solidFill>
                   <a:srgbClr val="FFFFFF"/>
@@ -565,7 +565,7 @@
               </a14:hiddenFill>
             </a:ext>
             <a:ext uri="{FAA26D3D-D897-4be2-8F04-BA451C77F1D7}">
-              <ma14:placeholderFlag xmlns:ma14="http://schemas.microsoft.com/office/mac/drawingml/2011/main" val="1"/>
+              <ma14:placeholderFlag xmlns:ma14="http://schemas.microsoft.com/office/mac/drawingml/2011/main" xmlns="" val="1"/>
             </a:ext>
           </a:extLst>
         </p:spPr>
@@ -906,14 +906,14 @@
           <a:noFill/>
           <a:ln/>
           <a:extLst>
-            <a:ext uri="{909E8E84-426E-40dd-AFC4-6F175D3DCCD1}">
+            <a:ext uri="{909E8E84-426E-40DD-AFC4-6F175D3DCCD1}">
               <a14:hiddenFill xmlns:a14="http://schemas.microsoft.com/office/drawing/2010/main">
                 <a:solidFill>
                   <a:srgbClr val="FFFFFF"/>
                 </a:solidFill>
               </a14:hiddenFill>
             </a:ext>
-            <a:ext uri="{91240B29-F687-4f45-9708-019B960494DF}">
+            <a:ext uri="{91240B29-F687-4F45-9708-019B960494DF}">
               <a14:hiddenLine xmlns:a14="http://schemas.microsoft.com/office/drawing/2010/main" w="9525">
                 <a:solidFill>
                   <a:srgbClr val="000000"/>
@@ -1081,14 +1081,14 @@
           <a:noFill/>
           <a:ln/>
           <a:extLst>
-            <a:ext uri="{909E8E84-426E-40dd-AFC4-6F175D3DCCD1}">
+            <a:ext uri="{909E8E84-426E-40DD-AFC4-6F175D3DCCD1}">
               <a14:hiddenFill xmlns:a14="http://schemas.microsoft.com/office/drawing/2010/main">
                 <a:solidFill>
                   <a:srgbClr val="FFFFFF"/>
                 </a:solidFill>
               </a14:hiddenFill>
             </a:ext>
-            <a:ext uri="{91240B29-F687-4f45-9708-019B960494DF}">
+            <a:ext uri="{91240B29-F687-4F45-9708-019B960494DF}">
               <a14:hiddenLine xmlns:a14="http://schemas.microsoft.com/office/drawing/2010/main" w="9525">
                 <a:solidFill>
                   <a:srgbClr val="000000"/>
@@ -1099,7 +1099,7 @@
               </a14:hiddenLine>
             </a:ext>
             <a:ext uri="{FAA26D3D-D897-4be2-8F04-BA451C77F1D7}">
-              <ma14:placeholderFlag xmlns:ma14="http://schemas.microsoft.com/office/mac/drawingml/2011/main" val="1"/>
+              <ma14:placeholderFlag xmlns:ma14="http://schemas.microsoft.com/office/mac/drawingml/2011/main" xmlns="" val="1"/>
             </a:ext>
           </a:extLst>
         </p:spPr>
@@ -1201,7 +1201,7 @@
             <a:tailEnd/>
           </a:ln>
           <a:extLst>
-            <a:ext uri="{909E8E84-426E-40dd-AFC4-6F175D3DCCD1}">
+            <a:ext uri="{909E8E84-426E-40DD-AFC4-6F175D3DCCD1}">
               <a14:hiddenFill xmlns:a14="http://schemas.microsoft.com/office/drawing/2010/main">
                 <a:solidFill>
                   <a:srgbClr val="FFFFFF"/>
@@ -1244,7 +1244,7 @@
             <a:tailEnd/>
           </a:ln>
           <a:extLst>
-            <a:ext uri="{909E8E84-426E-40dd-AFC4-6F175D3DCCD1}">
+            <a:ext uri="{909E8E84-426E-40DD-AFC4-6F175D3DCCD1}">
               <a14:hiddenFill xmlns:a14="http://schemas.microsoft.com/office/drawing/2010/main">
                 <a:noFill/>
               </a14:hiddenFill>
@@ -1344,7 +1344,7 @@
           <a:p>
             <a:fld id="{5CC04E77-BF93-A74A-8704-08E8265D5AAE}" type="datetime1">
               <a:rPr lang="en-US" smtClean="0"/>
-              <a:t>4/14/16</a:t>
+              <a:t>4/15/2016</a:t>
             </a:fld>
             <a:endParaRPr lang="en-US"/>
           </a:p>
@@ -1541,7 +1541,7 @@
           <a:p>
             <a:fld id="{EBF89EBE-D8F7-8C43-AB18-1819739C86BA}" type="datetime1">
               <a:rPr lang="en-US" smtClean="0"/>
-              <a:t>4/14/16</a:t>
+              <a:t>4/15/2016</a:t>
             </a:fld>
             <a:endParaRPr lang="en-US"/>
           </a:p>
@@ -1747,7 +1747,7 @@
           <a:p>
             <a:fld id="{B83566EC-921D-7F46-8D1A-B0B4C3D3B82C}" type="datetime1">
               <a:rPr lang="en-US" smtClean="0"/>
-              <a:t>4/14/16</a:t>
+              <a:t>4/15/2016</a:t>
             </a:fld>
             <a:endParaRPr lang="en-US"/>
           </a:p>
@@ -2010,7 +2010,7 @@
           <a:p>
             <a:fld id="{8D8FC723-6CC0-464A-ABCB-076A2777F790}" type="datetime1">
               <a:rPr lang="en-US" smtClean="0"/>
-              <a:t>4/14/16</a:t>
+              <a:t>4/15/2016</a:t>
             </a:fld>
             <a:endParaRPr lang="en-US"/>
           </a:p>
@@ -2273,7 +2273,7 @@
           <a:p>
             <a:fld id="{BFF032EE-437C-F64E-8462-3E48C2093C71}" type="datetime1">
               <a:rPr lang="en-US" smtClean="0"/>
-              <a:t>4/14/16</a:t>
+              <a:t>4/15/2016</a:t>
             </a:fld>
             <a:endParaRPr lang="en-US"/>
           </a:p>
@@ -2469,7 +2469,7 @@
           <a:p>
             <a:fld id="{50D4FBB9-FC59-0C4D-863F-E14B25603A31}" type="datetime1">
               <a:rPr lang="en-US" smtClean="0"/>
-              <a:t>4/14/16</a:t>
+              <a:t>4/15/2016</a:t>
             </a:fld>
             <a:endParaRPr lang="en-US"/>
           </a:p>
@@ -2687,7 +2687,7 @@
           <a:p>
             <a:fld id="{6280E27D-38EE-174E-A143-09C81A8FA8FD}" type="datetime1">
               <a:rPr lang="en-US" smtClean="0"/>
-              <a:t>4/14/16</a:t>
+              <a:t>4/15/2016</a:t>
             </a:fld>
             <a:endParaRPr lang="en-US"/>
           </a:p>
@@ -3001,7 +3001,7 @@
           <a:p>
             <a:fld id="{BCEBAB7A-6423-8C4E-8F23-00B31F715E7E}" type="datetime1">
               <a:rPr lang="en-US" smtClean="0"/>
-              <a:t>4/14/16</a:t>
+              <a:t>4/15/2016</a:t>
             </a:fld>
             <a:endParaRPr lang="en-US"/>
           </a:p>
@@ -3454,7 +3454,7 @@
           <a:p>
             <a:fld id="{230287BD-0A77-9F40-BD58-E82C716C1278}" type="datetime1">
               <a:rPr lang="en-US" smtClean="0"/>
-              <a:t>4/14/16</a:t>
+              <a:t>4/15/2016</a:t>
             </a:fld>
             <a:endParaRPr lang="en-US"/>
           </a:p>
@@ -3598,7 +3598,7 @@
           <a:p>
             <a:fld id="{CC07914B-D518-B543-96BB-59E3A3C125E4}" type="datetime1">
               <a:rPr lang="en-US" smtClean="0"/>
-              <a:t>4/14/16</a:t>
+              <a:t>4/15/2016</a:t>
             </a:fld>
             <a:endParaRPr lang="en-US"/>
           </a:p>
@@ -3719,7 +3719,7 @@
           <a:p>
             <a:fld id="{33944F51-0513-8E48-927B-29FCB517ACBB}" type="datetime1">
               <a:rPr lang="en-US" smtClean="0"/>
-              <a:t>4/14/16</a:t>
+              <a:t>4/15/2016</a:t>
             </a:fld>
             <a:endParaRPr lang="en-US"/>
           </a:p>
@@ -4022,7 +4022,7 @@
           <a:p>
             <a:fld id="{7CF3A4B3-A617-8640-AD65-373D50F25920}" type="datetime1">
               <a:rPr lang="en-US" smtClean="0"/>
-              <a:t>4/14/16</a:t>
+              <a:t>4/15/2016</a:t>
             </a:fld>
             <a:endParaRPr lang="en-US"/>
           </a:p>
@@ -4302,7 +4302,7 @@
           <a:p>
             <a:fld id="{A3BAF3E0-D449-F14B-8E44-AD8A5AB113A4}" type="datetime1">
               <a:rPr lang="en-US" smtClean="0"/>
-              <a:t>4/14/16</a:t>
+              <a:t>4/15/2016</a:t>
             </a:fld>
             <a:endParaRPr lang="en-US"/>
           </a:p>
@@ -4431,14 +4431,14 @@
             <a:noFill/>
           </a:ln>
           <a:extLst>
-            <a:ext uri="{909E8E84-426E-40dd-AFC4-6F175D3DCCD1}">
+            <a:ext uri="{909E8E84-426E-40DD-AFC4-6F175D3DCCD1}">
               <a14:hiddenFill xmlns:a14="http://schemas.microsoft.com/office/drawing/2010/main">
                 <a:solidFill>
                   <a:srgbClr val="FFFFFF"/>
                 </a:solidFill>
               </a14:hiddenFill>
             </a:ext>
-            <a:ext uri="{91240B29-F687-4f45-9708-019B960494DF}">
+            <a:ext uri="{91240B29-F687-4F45-9708-019B960494DF}">
               <a14:hiddenLine xmlns:a14="http://schemas.microsoft.com/office/drawing/2010/main" w="9525">
                 <a:solidFill>
                   <a:srgbClr val="000000"/>
@@ -4449,7 +4449,7 @@
               </a14:hiddenLine>
             </a:ext>
             <a:ext uri="{FAA26D3D-D897-4be2-8F04-BA451C77F1D7}">
-              <ma14:placeholderFlag xmlns:ma14="http://schemas.microsoft.com/office/mac/drawingml/2011/main" val="1"/>
+              <ma14:placeholderFlag xmlns:ma14="http://schemas.microsoft.com/office/mac/drawingml/2011/main" xmlns="" val="1"/>
             </a:ext>
           </a:extLst>
         </p:spPr>
@@ -4492,14 +4492,14 @@
             <a:noFill/>
           </a:ln>
           <a:extLst>
-            <a:ext uri="{909E8E84-426E-40dd-AFC4-6F175D3DCCD1}">
+            <a:ext uri="{909E8E84-426E-40DD-AFC4-6F175D3DCCD1}">
               <a14:hiddenFill xmlns:a14="http://schemas.microsoft.com/office/drawing/2010/main">
                 <a:solidFill>
                   <a:srgbClr val="FFFFFF"/>
                 </a:solidFill>
               </a14:hiddenFill>
             </a:ext>
-            <a:ext uri="{91240B29-F687-4f45-9708-019B960494DF}">
+            <a:ext uri="{91240B29-F687-4F45-9708-019B960494DF}">
               <a14:hiddenLine xmlns:a14="http://schemas.microsoft.com/office/drawing/2010/main" w="9525">
                 <a:solidFill>
                   <a:srgbClr val="000000"/>
@@ -4510,7 +4510,7 @@
               </a14:hiddenLine>
             </a:ext>
             <a:ext uri="{FAA26D3D-D897-4be2-8F04-BA451C77F1D7}">
-              <ma14:placeholderFlag xmlns:ma14="http://schemas.microsoft.com/office/mac/drawingml/2011/main" val="1"/>
+              <ma14:placeholderFlag xmlns:ma14="http://schemas.microsoft.com/office/mac/drawingml/2011/main" xmlns="" val="1"/>
             </a:ext>
           </a:extLst>
         </p:spPr>
@@ -4602,7 +4602,7 @@
           <a:p>
             <a:fld id="{97553EFD-66BE-1E4B-83F3-FC783C980B9B}" type="datetime1">
               <a:rPr lang="en-US" smtClean="0"/>
-              <a:t>4/14/16</a:t>
+              <a:t>4/15/2016</a:t>
             </a:fld>
             <a:endParaRPr lang="en-US"/>
           </a:p>
@@ -4777,7 +4777,7 @@
             <a:tailEnd/>
           </a:ln>
           <a:extLst>
-            <a:ext uri="{909E8E84-426E-40dd-AFC4-6F175D3DCCD1}">
+            <a:ext uri="{909E8E84-426E-40DD-AFC4-6F175D3DCCD1}">
               <a14:hiddenFill xmlns:a14="http://schemas.microsoft.com/office/drawing/2010/main">
                 <a:solidFill>
                   <a:srgbClr val="FFFFFF"/>
@@ -4820,7 +4820,7 @@
             <a:tailEnd/>
           </a:ln>
           <a:extLst>
-            <a:ext uri="{909E8E84-426E-40dd-AFC4-6F175D3DCCD1}">
+            <a:ext uri="{909E8E84-426E-40DD-AFC4-6F175D3DCCD1}">
               <a14:hiddenFill xmlns:a14="http://schemas.microsoft.com/office/drawing/2010/main">
                 <a:noFill/>
               </a14:hiddenFill>
@@ -4856,7 +4856,7 @@
   <p:timing>
     <p:tnLst>
       <p:par>
-        <p:cTn xmlns:p14="http://schemas.microsoft.com/office/powerpoint/2010/main" id="1" dur="indefinite" restart="never" nodeType="tmRoot"/>
+        <p:cTn id="1" dur="indefinite" restart="never" nodeType="tmRoot"/>
       </p:par>
     </p:tnLst>
   </p:timing>
@@ -5488,7 +5488,7 @@
   <p:timing>
     <p:tnLst>
       <p:par>
-        <p:cTn xmlns:p14="http://schemas.microsoft.com/office/powerpoint/2010/main" id="1" dur="indefinite" restart="never" nodeType="tmRoot"/>
+        <p:cTn id="1" dur="indefinite" restart="never" nodeType="tmRoot"/>
       </p:par>
     </p:tnLst>
   </p:timing>
@@ -5600,14 +5600,14 @@
           <a:noFill/>
           <a:ln/>
           <a:extLst>
-            <a:ext uri="{909E8E84-426E-40dd-AFC4-6F175D3DCCD1}">
+            <a:ext uri="{909E8E84-426E-40DD-AFC4-6F175D3DCCD1}">
               <a14:hiddenFill xmlns:a14="http://schemas.microsoft.com/office/drawing/2010/main">
                 <a:solidFill>
                   <a:srgbClr val="FFFFFF"/>
                 </a:solidFill>
               </a14:hiddenFill>
             </a:ext>
-            <a:ext uri="{91240B29-F687-4f45-9708-019B960494DF}">
+            <a:ext uri="{91240B29-F687-4F45-9708-019B960494DF}">
               <a14:hiddenLine xmlns:a14="http://schemas.microsoft.com/office/drawing/2010/main" w="9525">
                 <a:solidFill>
                   <a:srgbClr val="000000"/>
@@ -5715,7 +5715,7 @@
                 <a:latin typeface="Garamond" charset="0"/>
                 <a:cs typeface="Arial" charset="0"/>
               </a:rPr>
-              <a:t>4/14/16</a:t>
+              <a:t>4/15/2016</a:t>
             </a:fld>
             <a:endParaRPr lang="en-US" sz="1200">
               <a:latin typeface="Garamond" charset="0"/>
@@ -5764,14 +5764,14 @@
           <a:noFill/>
           <a:ln/>
           <a:extLst>
-            <a:ext uri="{909E8E84-426E-40dd-AFC4-6F175D3DCCD1}">
+            <a:ext uri="{909E8E84-426E-40DD-AFC4-6F175D3DCCD1}">
               <a14:hiddenFill xmlns:a14="http://schemas.microsoft.com/office/drawing/2010/main">
                 <a:solidFill>
                   <a:srgbClr val="FFFFFF"/>
                 </a:solidFill>
               </a14:hiddenFill>
             </a:ext>
-            <a:ext uri="{91240B29-F687-4f45-9708-019B960494DF}">
+            <a:ext uri="{91240B29-F687-4F45-9708-019B960494DF}">
               <a14:hiddenLine xmlns:a14="http://schemas.microsoft.com/office/drawing/2010/main" w="9525">
                 <a:solidFill>
                   <a:srgbClr val="000000"/>
@@ -5919,14 +5919,14 @@
           </a:xfrm>
           <a:noFill/>
           <a:extLst>
-            <a:ext uri="{909E8E84-426E-40dd-AFC4-6F175D3DCCD1}">
+            <a:ext uri="{909E8E84-426E-40DD-AFC4-6F175D3DCCD1}">
               <a14:hiddenFill xmlns:a14="http://schemas.microsoft.com/office/drawing/2010/main">
                 <a:solidFill>
                   <a:schemeClr val="accent1"/>
                 </a:solidFill>
               </a14:hiddenFill>
             </a:ext>
-            <a:ext uri="{91240B29-F687-4f45-9708-019B960494DF}">
+            <a:ext uri="{91240B29-F687-4F45-9708-019B960494DF}">
               <a14:hiddenLine xmlns:a14="http://schemas.microsoft.com/office/drawing/2010/main" w="9525">
                 <a:solidFill>
                   <a:schemeClr val="tx1"/>
@@ -5936,7 +5936,7 @@
                 <a:tailEnd/>
               </a14:hiddenLine>
             </a:ext>
-            <a:ext uri="{AF507438-7753-43e0-B8FC-AC1667EBCBE1}">
+            <a:ext uri="{AF507438-7753-43E0-B8FC-AC1667EBCBE1}">
               <a14:hiddenEffects xmlns:a14="http://schemas.microsoft.com/office/drawing/2010/main">
                 <a:effectLst>
                   <a:outerShdw dist="35921" dir="2700000" algn="ctr" rotWithShape="0">
@@ -5956,7 +5956,7 @@
   <p:timing>
     <p:tnLst>
       <p:par>
-        <p:cTn xmlns:p14="http://schemas.microsoft.com/office/powerpoint/2010/main" id="1" dur="indefinite" restart="never" nodeType="tmRoot"/>
+        <p:cTn id="1" dur="indefinite" restart="never" nodeType="tmRoot"/>
       </p:par>
     </p:tnLst>
   </p:timing>
@@ -6234,14 +6234,14 @@
           <a:noFill/>
           <a:ln/>
           <a:extLst>
-            <a:ext uri="{909E8E84-426E-40dd-AFC4-6F175D3DCCD1}">
+            <a:ext uri="{909E8E84-426E-40DD-AFC4-6F175D3DCCD1}">
               <a14:hiddenFill xmlns:a14="http://schemas.microsoft.com/office/drawing/2010/main">
                 <a:solidFill>
                   <a:srgbClr val="FFFFFF"/>
                 </a:solidFill>
               </a14:hiddenFill>
             </a:ext>
-            <a:ext uri="{91240B29-F687-4f45-9708-019B960494DF}">
+            <a:ext uri="{91240B29-F687-4F45-9708-019B960494DF}">
               <a14:hiddenLine xmlns:a14="http://schemas.microsoft.com/office/drawing/2010/main" w="9525">
                 <a:solidFill>
                   <a:srgbClr val="000000"/>
@@ -6349,7 +6349,7 @@
                 <a:latin typeface="Garamond" charset="0"/>
                 <a:cs typeface="Arial" charset="0"/>
               </a:rPr>
-              <a:t>4/14/16</a:t>
+              <a:t>4/15/2016</a:t>
             </a:fld>
             <a:endParaRPr lang="en-US" sz="1200">
               <a:latin typeface="Garamond" charset="0"/>
@@ -6398,14 +6398,14 @@
           <a:noFill/>
           <a:ln/>
           <a:extLst>
-            <a:ext uri="{909E8E84-426E-40dd-AFC4-6F175D3DCCD1}">
+            <a:ext uri="{909E8E84-426E-40DD-AFC4-6F175D3DCCD1}">
               <a14:hiddenFill xmlns:a14="http://schemas.microsoft.com/office/drawing/2010/main">
                 <a:solidFill>
                   <a:srgbClr val="FFFFFF"/>
                 </a:solidFill>
               </a14:hiddenFill>
             </a:ext>
-            <a:ext uri="{91240B29-F687-4f45-9708-019B960494DF}">
+            <a:ext uri="{91240B29-F687-4F45-9708-019B960494DF}">
               <a14:hiddenLine xmlns:a14="http://schemas.microsoft.com/office/drawing/2010/main" w="9525">
                 <a:solidFill>
                   <a:srgbClr val="000000"/>
@@ -6531,7 +6531,7 @@
   <p:timing>
     <p:tnLst>
       <p:par>
-        <p:cTn xmlns:p14="http://schemas.microsoft.com/office/powerpoint/2010/main" id="1" dur="indefinite" restart="never" nodeType="tmRoot"/>
+        <p:cTn id="1" dur="indefinite" restart="never" nodeType="tmRoot"/>
       </p:par>
     </p:tnLst>
   </p:timing>
@@ -6703,14 +6703,14 @@
           <a:noFill/>
           <a:ln/>
           <a:extLst>
-            <a:ext uri="{909E8E84-426E-40dd-AFC4-6F175D3DCCD1}">
+            <a:ext uri="{909E8E84-426E-40DD-AFC4-6F175D3DCCD1}">
               <a14:hiddenFill xmlns:a14="http://schemas.microsoft.com/office/drawing/2010/main">
                 <a:solidFill>
                   <a:srgbClr val="FFFFFF"/>
                 </a:solidFill>
               </a14:hiddenFill>
             </a:ext>
-            <a:ext uri="{91240B29-F687-4f45-9708-019B960494DF}">
+            <a:ext uri="{91240B29-F687-4F45-9708-019B960494DF}">
               <a14:hiddenLine xmlns:a14="http://schemas.microsoft.com/office/drawing/2010/main" w="9525">
                 <a:solidFill>
                   <a:srgbClr val="000000"/>
@@ -6818,7 +6818,7 @@
                 <a:latin typeface="Garamond" charset="0"/>
                 <a:cs typeface="Arial" charset="0"/>
               </a:rPr>
-              <a:t>4/14/16</a:t>
+              <a:t>4/15/2016</a:t>
             </a:fld>
             <a:endParaRPr lang="en-US" sz="1200">
               <a:latin typeface="Garamond" charset="0"/>
@@ -6867,14 +6867,14 @@
           <a:noFill/>
           <a:ln/>
           <a:extLst>
-            <a:ext uri="{909E8E84-426E-40dd-AFC4-6F175D3DCCD1}">
+            <a:ext uri="{909E8E84-426E-40DD-AFC4-6F175D3DCCD1}">
               <a14:hiddenFill xmlns:a14="http://schemas.microsoft.com/office/drawing/2010/main">
                 <a:solidFill>
                   <a:srgbClr val="FFFFFF"/>
                 </a:solidFill>
               </a14:hiddenFill>
             </a:ext>
-            <a:ext uri="{91240B29-F687-4f45-9708-019B960494DF}">
+            <a:ext uri="{91240B29-F687-4F45-9708-019B960494DF}">
               <a14:hiddenLine xmlns:a14="http://schemas.microsoft.com/office/drawing/2010/main" w="9525">
                 <a:solidFill>
                   <a:srgbClr val="000000"/>
@@ -7000,7 +7000,7 @@
   <p:timing>
     <p:tnLst>
       <p:par>
-        <p:cTn xmlns:p14="http://schemas.microsoft.com/office/powerpoint/2010/main" id="1" dur="indefinite" restart="never" nodeType="tmRoot"/>
+        <p:cTn id="1" dur="indefinite" restart="never" nodeType="tmRoot"/>
       </p:par>
     </p:tnLst>
   </p:timing>
@@ -7325,14 +7325,14 @@
           <a:noFill/>
           <a:ln/>
           <a:extLst>
-            <a:ext uri="{909E8E84-426E-40dd-AFC4-6F175D3DCCD1}">
+            <a:ext uri="{909E8E84-426E-40DD-AFC4-6F175D3DCCD1}">
               <a14:hiddenFill xmlns:a14="http://schemas.microsoft.com/office/drawing/2010/main">
                 <a:solidFill>
                   <a:srgbClr val="FFFFFF"/>
                 </a:solidFill>
               </a14:hiddenFill>
             </a:ext>
-            <a:ext uri="{91240B29-F687-4f45-9708-019B960494DF}">
+            <a:ext uri="{91240B29-F687-4F45-9708-019B960494DF}">
               <a14:hiddenLine xmlns:a14="http://schemas.microsoft.com/office/drawing/2010/main" w="9525">
                 <a:solidFill>
                   <a:srgbClr val="000000"/>
@@ -7440,7 +7440,7 @@
                 <a:latin typeface="Garamond" charset="0"/>
                 <a:cs typeface="Arial" charset="0"/>
               </a:rPr>
-              <a:t>4/14/16</a:t>
+              <a:t>4/15/2016</a:t>
             </a:fld>
             <a:endParaRPr lang="en-US" sz="1200">
               <a:latin typeface="Garamond" charset="0"/>
@@ -7489,14 +7489,14 @@
           <a:noFill/>
           <a:ln/>
           <a:extLst>
-            <a:ext uri="{909E8E84-426E-40dd-AFC4-6F175D3DCCD1}">
+            <a:ext uri="{909E8E84-426E-40DD-AFC4-6F175D3DCCD1}">
               <a14:hiddenFill xmlns:a14="http://schemas.microsoft.com/office/drawing/2010/main">
                 <a:solidFill>
                   <a:srgbClr val="FFFFFF"/>
                 </a:solidFill>
               </a14:hiddenFill>
             </a:ext>
-            <a:ext uri="{91240B29-F687-4f45-9708-019B960494DF}">
+            <a:ext uri="{91240B29-F687-4F45-9708-019B960494DF}">
               <a14:hiddenLine xmlns:a14="http://schemas.microsoft.com/office/drawing/2010/main" w="9525">
                 <a:solidFill>
                   <a:srgbClr val="000000"/>
@@ -7622,7 +7622,7 @@
   <p:timing>
     <p:tnLst>
       <p:par>
-        <p:cTn xmlns:p14="http://schemas.microsoft.com/office/powerpoint/2010/main" id="1" dur="indefinite" restart="never" nodeType="tmRoot"/>
+        <p:cTn id="1" dur="indefinite" restart="never" nodeType="tmRoot"/>
       </p:par>
     </p:tnLst>
   </p:timing>
@@ -7928,14 +7928,14 @@
           <a:noFill/>
           <a:ln/>
           <a:extLst>
-            <a:ext uri="{909E8E84-426E-40dd-AFC4-6F175D3DCCD1}">
+            <a:ext uri="{909E8E84-426E-40DD-AFC4-6F175D3DCCD1}">
               <a14:hiddenFill xmlns:a14="http://schemas.microsoft.com/office/drawing/2010/main">
                 <a:solidFill>
                   <a:srgbClr val="FFFFFF"/>
                 </a:solidFill>
               </a14:hiddenFill>
             </a:ext>
-            <a:ext uri="{91240B29-F687-4f45-9708-019B960494DF}">
+            <a:ext uri="{91240B29-F687-4F45-9708-019B960494DF}">
               <a14:hiddenLine xmlns:a14="http://schemas.microsoft.com/office/drawing/2010/main" w="9525">
                 <a:solidFill>
                   <a:srgbClr val="000000"/>
@@ -8043,7 +8043,7 @@
                 <a:latin typeface="Garamond" charset="0"/>
                 <a:cs typeface="Arial" charset="0"/>
               </a:rPr>
-              <a:t>4/14/16</a:t>
+              <a:t>4/15/2016</a:t>
             </a:fld>
             <a:endParaRPr lang="en-US" sz="1200">
               <a:latin typeface="Garamond" charset="0"/>
@@ -8092,14 +8092,14 @@
           <a:noFill/>
           <a:ln/>
           <a:extLst>
-            <a:ext uri="{909E8E84-426E-40dd-AFC4-6F175D3DCCD1}">
+            <a:ext uri="{909E8E84-426E-40DD-AFC4-6F175D3DCCD1}">
               <a14:hiddenFill xmlns:a14="http://schemas.microsoft.com/office/drawing/2010/main">
                 <a:solidFill>
                   <a:srgbClr val="FFFFFF"/>
                 </a:solidFill>
               </a14:hiddenFill>
             </a:ext>
-            <a:ext uri="{91240B29-F687-4f45-9708-019B960494DF}">
+            <a:ext uri="{91240B29-F687-4F45-9708-019B960494DF}">
               <a14:hiddenLine xmlns:a14="http://schemas.microsoft.com/office/drawing/2010/main" w="9525">
                 <a:solidFill>
                   <a:srgbClr val="000000"/>
@@ -8225,7 +8225,7 @@
   <p:timing>
     <p:tnLst>
       <p:par>
-        <p:cTn xmlns:p14="http://schemas.microsoft.com/office/powerpoint/2010/main" id="1" dur="indefinite" restart="never" nodeType="tmRoot"/>
+        <p:cTn id="1" dur="indefinite" restart="never" nodeType="tmRoot"/>
       </p:par>
     </p:tnLst>
   </p:timing>
@@ -8880,14 +8880,14 @@
           <a:noFill/>
           <a:ln/>
           <a:extLst>
-            <a:ext uri="{909E8E84-426E-40dd-AFC4-6F175D3DCCD1}">
+            <a:ext uri="{909E8E84-426E-40DD-AFC4-6F175D3DCCD1}">
               <a14:hiddenFill xmlns:a14="http://schemas.microsoft.com/office/drawing/2010/main">
                 <a:solidFill>
                   <a:srgbClr val="FFFFFF"/>
                 </a:solidFill>
               </a14:hiddenFill>
             </a:ext>
-            <a:ext uri="{91240B29-F687-4f45-9708-019B960494DF}">
+            <a:ext uri="{91240B29-F687-4F45-9708-019B960494DF}">
               <a14:hiddenLine xmlns:a14="http://schemas.microsoft.com/office/drawing/2010/main" w="9525">
                 <a:solidFill>
                   <a:srgbClr val="000000"/>
@@ -8995,7 +8995,7 @@
                 <a:latin typeface="Garamond" charset="0"/>
                 <a:cs typeface="Arial" charset="0"/>
               </a:rPr>
-              <a:t>4/14/16</a:t>
+              <a:t>4/15/2016</a:t>
             </a:fld>
             <a:endParaRPr lang="en-US" sz="1200">
               <a:latin typeface="Garamond" charset="0"/>
@@ -9044,14 +9044,14 @@
           <a:noFill/>
           <a:ln/>
           <a:extLst>
-            <a:ext uri="{909E8E84-426E-40dd-AFC4-6F175D3DCCD1}">
+            <a:ext uri="{909E8E84-426E-40DD-AFC4-6F175D3DCCD1}">
               <a14:hiddenFill xmlns:a14="http://schemas.microsoft.com/office/drawing/2010/main">
                 <a:solidFill>
                   <a:srgbClr val="FFFFFF"/>
                 </a:solidFill>
               </a14:hiddenFill>
             </a:ext>
-            <a:ext uri="{91240B29-F687-4f45-9708-019B960494DF}">
+            <a:ext uri="{91240B29-F687-4F45-9708-019B960494DF}">
               <a14:hiddenLine xmlns:a14="http://schemas.microsoft.com/office/drawing/2010/main" w="9525">
                 <a:solidFill>
                   <a:srgbClr val="000000"/>
@@ -9174,6 +9174,13 @@
   <p:clrMapOvr>
     <a:masterClrMapping/>
   </p:clrMapOvr>
+  <p:timing>
+    <p:tnLst>
+      <p:par>
+        <p:cTn id="1" dur="indefinite" restart="never" nodeType="tmRoot"/>
+      </p:par>
+    </p:tnLst>
+  </p:timing>
 </p:sld>
 </file>
 
@@ -9771,14 +9778,14 @@
           <a:noFill/>
           <a:ln/>
           <a:extLst>
-            <a:ext uri="{909E8E84-426E-40dd-AFC4-6F175D3DCCD1}">
+            <a:ext uri="{909E8E84-426E-40DD-AFC4-6F175D3DCCD1}">
               <a14:hiddenFill xmlns:a14="http://schemas.microsoft.com/office/drawing/2010/main">
                 <a:solidFill>
                   <a:srgbClr val="FFFFFF"/>
                 </a:solidFill>
               </a14:hiddenFill>
             </a:ext>
-            <a:ext uri="{91240B29-F687-4f45-9708-019B960494DF}">
+            <a:ext uri="{91240B29-F687-4F45-9708-019B960494DF}">
               <a14:hiddenLine xmlns:a14="http://schemas.microsoft.com/office/drawing/2010/main" w="9525">
                 <a:solidFill>
                   <a:srgbClr val="000000"/>
@@ -9886,7 +9893,7 @@
                 <a:latin typeface="Garamond" charset="0"/>
                 <a:cs typeface="Arial" charset="0"/>
               </a:rPr>
-              <a:t>4/14/16</a:t>
+              <a:t>4/15/2016</a:t>
             </a:fld>
             <a:endParaRPr lang="en-US" sz="1200">
               <a:latin typeface="Garamond" charset="0"/>
@@ -9935,14 +9942,14 @@
           <a:noFill/>
           <a:ln/>
           <a:extLst>
-            <a:ext uri="{909E8E84-426E-40dd-AFC4-6F175D3DCCD1}">
+            <a:ext uri="{909E8E84-426E-40DD-AFC4-6F175D3DCCD1}">
               <a14:hiddenFill xmlns:a14="http://schemas.microsoft.com/office/drawing/2010/main">
                 <a:solidFill>
                   <a:srgbClr val="FFFFFF"/>
                 </a:solidFill>
               </a14:hiddenFill>
             </a:ext>
-            <a:ext uri="{91240B29-F687-4f45-9708-019B960494DF}">
+            <a:ext uri="{91240B29-F687-4F45-9708-019B960494DF}">
               <a14:hiddenLine xmlns:a14="http://schemas.microsoft.com/office/drawing/2010/main" w="9525">
                 <a:solidFill>
                   <a:srgbClr val="000000"/>
@@ -10065,6 +10072,13 @@
   <p:clrMapOvr>
     <a:masterClrMapping/>
   </p:clrMapOvr>
+  <p:timing>
+    <p:tnLst>
+      <p:par>
+        <p:cTn id="1" dur="indefinite" restart="never" nodeType="tmRoot"/>
+      </p:par>
+    </p:tnLst>
+  </p:timing>
 </p:sld>
 </file>
 
@@ -10673,14 +10687,14 @@
           <a:noFill/>
           <a:ln/>
           <a:extLst>
-            <a:ext uri="{909E8E84-426E-40dd-AFC4-6F175D3DCCD1}">
+            <a:ext uri="{909E8E84-426E-40DD-AFC4-6F175D3DCCD1}">
               <a14:hiddenFill xmlns:a14="http://schemas.microsoft.com/office/drawing/2010/main">
                 <a:solidFill>
                   <a:srgbClr val="FFFFFF"/>
                 </a:solidFill>
               </a14:hiddenFill>
             </a:ext>
-            <a:ext uri="{91240B29-F687-4f45-9708-019B960494DF}">
+            <a:ext uri="{91240B29-F687-4F45-9708-019B960494DF}">
               <a14:hiddenLine xmlns:a14="http://schemas.microsoft.com/office/drawing/2010/main" w="9525">
                 <a:solidFill>
                   <a:srgbClr val="000000"/>
@@ -10788,7 +10802,7 @@
                 <a:latin typeface="Garamond" charset="0"/>
                 <a:cs typeface="Arial" charset="0"/>
               </a:rPr>
-              <a:t>4/14/16</a:t>
+              <a:t>4/15/2016</a:t>
             </a:fld>
             <a:endParaRPr lang="en-US" sz="1200">
               <a:latin typeface="Garamond" charset="0"/>
@@ -10837,14 +10851,14 @@
           <a:noFill/>
           <a:ln/>
           <a:extLst>
-            <a:ext uri="{909E8E84-426E-40dd-AFC4-6F175D3DCCD1}">
+            <a:ext uri="{909E8E84-426E-40DD-AFC4-6F175D3DCCD1}">
               <a14:hiddenFill xmlns:a14="http://schemas.microsoft.com/office/drawing/2010/main">
                 <a:solidFill>
                   <a:srgbClr val="FFFFFF"/>
                 </a:solidFill>
               </a14:hiddenFill>
             </a:ext>
-            <a:ext uri="{91240B29-F687-4f45-9708-019B960494DF}">
+            <a:ext uri="{91240B29-F687-4F45-9708-019B960494DF}">
               <a14:hiddenLine xmlns:a14="http://schemas.microsoft.com/office/drawing/2010/main" w="9525">
                 <a:solidFill>
                   <a:srgbClr val="000000"/>
@@ -10967,6 +10981,13 @@
   <p:clrMapOvr>
     <a:masterClrMapping/>
   </p:clrMapOvr>
+  <p:timing>
+    <p:tnLst>
+      <p:par>
+        <p:cTn id="1" dur="indefinite" restart="never" nodeType="tmRoot"/>
+      </p:par>
+    </p:tnLst>
+  </p:timing>
 </p:sld>
 </file>
 
@@ -11467,14 +11488,14 @@
           <a:noFill/>
           <a:ln/>
           <a:extLst>
-            <a:ext uri="{909E8E84-426E-40dd-AFC4-6F175D3DCCD1}">
+            <a:ext uri="{909E8E84-426E-40DD-AFC4-6F175D3DCCD1}">
               <a14:hiddenFill xmlns:a14="http://schemas.microsoft.com/office/drawing/2010/main">
                 <a:solidFill>
                   <a:srgbClr val="FFFFFF"/>
                 </a:solidFill>
               </a14:hiddenFill>
             </a:ext>
-            <a:ext uri="{91240B29-F687-4f45-9708-019B960494DF}">
+            <a:ext uri="{91240B29-F687-4F45-9708-019B960494DF}">
               <a14:hiddenLine xmlns:a14="http://schemas.microsoft.com/office/drawing/2010/main" w="9525">
                 <a:solidFill>
                   <a:srgbClr val="000000"/>
@@ -11582,7 +11603,7 @@
                 <a:latin typeface="Garamond" charset="0"/>
                 <a:cs typeface="Arial" charset="0"/>
               </a:rPr>
-              <a:t>4/14/16</a:t>
+              <a:t>4/15/2016</a:t>
             </a:fld>
             <a:endParaRPr lang="en-US" sz="1200">
               <a:latin typeface="Garamond" charset="0"/>
@@ -11631,14 +11652,14 @@
           <a:noFill/>
           <a:ln/>
           <a:extLst>
-            <a:ext uri="{909E8E84-426E-40dd-AFC4-6F175D3DCCD1}">
+            <a:ext uri="{909E8E84-426E-40DD-AFC4-6F175D3DCCD1}">
               <a14:hiddenFill xmlns:a14="http://schemas.microsoft.com/office/drawing/2010/main">
                 <a:solidFill>
                   <a:srgbClr val="FFFFFF"/>
                 </a:solidFill>
               </a14:hiddenFill>
             </a:ext>
-            <a:ext uri="{91240B29-F687-4f45-9708-019B960494DF}">
+            <a:ext uri="{91240B29-F687-4F45-9708-019B960494DF}">
               <a14:hiddenLine xmlns:a14="http://schemas.microsoft.com/office/drawing/2010/main" w="9525">
                 <a:solidFill>
                   <a:srgbClr val="000000"/>
@@ -11761,6 +11782,13 @@
   <p:clrMapOvr>
     <a:masterClrMapping/>
   </p:clrMapOvr>
+  <p:timing>
+    <p:tnLst>
+      <p:par>
+        <p:cTn id="1" dur="indefinite" restart="never" nodeType="tmRoot"/>
+      </p:par>
+    </p:tnLst>
+  </p:timing>
 </p:sld>
 </file>
 
@@ -12388,14 +12416,14 @@
           <a:noFill/>
           <a:ln/>
           <a:extLst>
-            <a:ext uri="{909E8E84-426E-40dd-AFC4-6F175D3DCCD1}">
+            <a:ext uri="{909E8E84-426E-40DD-AFC4-6F175D3DCCD1}">
               <a14:hiddenFill xmlns:a14="http://schemas.microsoft.com/office/drawing/2010/main">
                 <a:solidFill>
                   <a:srgbClr val="FFFFFF"/>
                 </a:solidFill>
               </a14:hiddenFill>
             </a:ext>
-            <a:ext uri="{91240B29-F687-4f45-9708-019B960494DF}">
+            <a:ext uri="{91240B29-F687-4F45-9708-019B960494DF}">
               <a14:hiddenLine xmlns:a14="http://schemas.microsoft.com/office/drawing/2010/main" w="9525">
                 <a:solidFill>
                   <a:srgbClr val="000000"/>
@@ -12503,7 +12531,7 @@
                 <a:latin typeface="Garamond" charset="0"/>
                 <a:cs typeface="Arial" charset="0"/>
               </a:rPr>
-              <a:t>4/14/16</a:t>
+              <a:t>4/15/2016</a:t>
             </a:fld>
             <a:endParaRPr lang="en-US" sz="1200">
               <a:latin typeface="Garamond" charset="0"/>
@@ -12552,14 +12580,14 @@
           <a:noFill/>
           <a:ln/>
           <a:extLst>
-            <a:ext uri="{909E8E84-426E-40dd-AFC4-6F175D3DCCD1}">
+            <a:ext uri="{909E8E84-426E-40DD-AFC4-6F175D3DCCD1}">
               <a14:hiddenFill xmlns:a14="http://schemas.microsoft.com/office/drawing/2010/main">
                 <a:solidFill>
                   <a:srgbClr val="FFFFFF"/>
                 </a:solidFill>
               </a14:hiddenFill>
             </a:ext>
-            <a:ext uri="{91240B29-F687-4f45-9708-019B960494DF}">
+            <a:ext uri="{91240B29-F687-4F45-9708-019B960494DF}">
               <a14:hiddenLine xmlns:a14="http://schemas.microsoft.com/office/drawing/2010/main" w="9525">
                 <a:solidFill>
                   <a:srgbClr val="000000"/>
@@ -12682,6 +12710,13 @@
   <p:clrMapOvr>
     <a:masterClrMapping/>
   </p:clrMapOvr>
+  <p:timing>
+    <p:tnLst>
+      <p:par>
+        <p:cTn id="1" dur="indefinite" restart="never" nodeType="tmRoot"/>
+      </p:par>
+    </p:tnLst>
+  </p:timing>
 </p:sld>
 </file>
 
@@ -12954,7 +12989,7 @@
             <a:fld id="{128A0847-B1CA-E043-B168-FFAF5BBECB48}" type="datetime1">
               <a:rPr lang="en-US" sz="1200" smtClean="0"/>
               <a:pPr/>
-              <a:t>4/14/16</a:t>
+              <a:t>4/15/2016</a:t>
             </a:fld>
             <a:endParaRPr lang="en-US" sz="1200" dirty="0"/>
           </a:p>
@@ -13102,7 +13137,7 @@
   <p:timing>
     <p:tnLst>
       <p:par>
-        <p:cTn xmlns:p14="http://schemas.microsoft.com/office/powerpoint/2010/main" id="1" dur="indefinite" restart="never" nodeType="tmRoot"/>
+        <p:cTn id="1" dur="indefinite" restart="never" nodeType="tmRoot"/>
       </p:par>
     </p:tnLst>
   </p:timing>
@@ -13492,14 +13527,14 @@
           <a:noFill/>
           <a:ln/>
           <a:extLst>
-            <a:ext uri="{909E8E84-426E-40dd-AFC4-6F175D3DCCD1}">
+            <a:ext uri="{909E8E84-426E-40DD-AFC4-6F175D3DCCD1}">
               <a14:hiddenFill xmlns:a14="http://schemas.microsoft.com/office/drawing/2010/main">
                 <a:solidFill>
                   <a:srgbClr val="FFFFFF"/>
                 </a:solidFill>
               </a14:hiddenFill>
             </a:ext>
-            <a:ext uri="{91240B29-F687-4f45-9708-019B960494DF}">
+            <a:ext uri="{91240B29-F687-4F45-9708-019B960494DF}">
               <a14:hiddenLine xmlns:a14="http://schemas.microsoft.com/office/drawing/2010/main" w="9525">
                 <a:solidFill>
                   <a:srgbClr val="000000"/>
@@ -13607,7 +13642,7 @@
                 <a:latin typeface="Garamond" charset="0"/>
                 <a:cs typeface="Arial" charset="0"/>
               </a:rPr>
-              <a:t>4/14/16</a:t>
+              <a:t>4/15/2016</a:t>
             </a:fld>
             <a:endParaRPr lang="en-US" sz="1200">
               <a:latin typeface="Garamond" charset="0"/>
@@ -13656,14 +13691,14 @@
           <a:noFill/>
           <a:ln/>
           <a:extLst>
-            <a:ext uri="{909E8E84-426E-40dd-AFC4-6F175D3DCCD1}">
+            <a:ext uri="{909E8E84-426E-40DD-AFC4-6F175D3DCCD1}">
               <a14:hiddenFill xmlns:a14="http://schemas.microsoft.com/office/drawing/2010/main">
                 <a:solidFill>
                   <a:srgbClr val="FFFFFF"/>
                 </a:solidFill>
               </a14:hiddenFill>
             </a:ext>
-            <a:ext uri="{91240B29-F687-4f45-9708-019B960494DF}">
+            <a:ext uri="{91240B29-F687-4F45-9708-019B960494DF}">
               <a14:hiddenLine xmlns:a14="http://schemas.microsoft.com/office/drawing/2010/main" w="9525">
                 <a:solidFill>
                   <a:srgbClr val="000000"/>
@@ -13786,6 +13821,13 @@
   <p:clrMapOvr>
     <a:masterClrMapping/>
   </p:clrMapOvr>
+  <p:timing>
+    <p:tnLst>
+      <p:par>
+        <p:cTn id="1" dur="indefinite" restart="never" nodeType="tmRoot"/>
+      </p:par>
+    </p:tnLst>
+  </p:timing>
 </p:sld>
 </file>
 
@@ -14147,14 +14189,14 @@
           <a:noFill/>
           <a:ln/>
           <a:extLst>
-            <a:ext uri="{909E8E84-426E-40dd-AFC4-6F175D3DCCD1}">
+            <a:ext uri="{909E8E84-426E-40DD-AFC4-6F175D3DCCD1}">
               <a14:hiddenFill xmlns:a14="http://schemas.microsoft.com/office/drawing/2010/main">
                 <a:solidFill>
                   <a:srgbClr val="FFFFFF"/>
                 </a:solidFill>
               </a14:hiddenFill>
             </a:ext>
-            <a:ext uri="{91240B29-F687-4f45-9708-019B960494DF}">
+            <a:ext uri="{91240B29-F687-4F45-9708-019B960494DF}">
               <a14:hiddenLine xmlns:a14="http://schemas.microsoft.com/office/drawing/2010/main" w="9525">
                 <a:solidFill>
                   <a:srgbClr val="000000"/>
@@ -14262,7 +14304,7 @@
                 <a:latin typeface="Garamond" charset="0"/>
                 <a:cs typeface="Arial" charset="0"/>
               </a:rPr>
-              <a:t>4/14/16</a:t>
+              <a:t>4/15/2016</a:t>
             </a:fld>
             <a:endParaRPr lang="en-US" sz="1200">
               <a:latin typeface="Garamond" charset="0"/>
@@ -14311,14 +14353,14 @@
           <a:noFill/>
           <a:ln/>
           <a:extLst>
-            <a:ext uri="{909E8E84-426E-40dd-AFC4-6F175D3DCCD1}">
+            <a:ext uri="{909E8E84-426E-40DD-AFC4-6F175D3DCCD1}">
               <a14:hiddenFill xmlns:a14="http://schemas.microsoft.com/office/drawing/2010/main">
                 <a:solidFill>
                   <a:srgbClr val="FFFFFF"/>
                 </a:solidFill>
               </a14:hiddenFill>
             </a:ext>
-            <a:ext uri="{91240B29-F687-4f45-9708-019B960494DF}">
+            <a:ext uri="{91240B29-F687-4F45-9708-019B960494DF}">
               <a14:hiddenLine xmlns:a14="http://schemas.microsoft.com/office/drawing/2010/main" w="9525">
                 <a:solidFill>
                   <a:srgbClr val="000000"/>
@@ -14441,6 +14483,13 @@
   <p:clrMapOvr>
     <a:masterClrMapping/>
   </p:clrMapOvr>
+  <p:timing>
+    <p:tnLst>
+      <p:par>
+        <p:cTn id="1" dur="indefinite" restart="never" nodeType="tmRoot"/>
+      </p:par>
+    </p:tnLst>
+  </p:timing>
 </p:sld>
 </file>
 
@@ -15049,14 +15098,14 @@
           <a:noFill/>
           <a:ln/>
           <a:extLst>
-            <a:ext uri="{909E8E84-426E-40dd-AFC4-6F175D3DCCD1}">
+            <a:ext uri="{909E8E84-426E-40DD-AFC4-6F175D3DCCD1}">
               <a14:hiddenFill xmlns:a14="http://schemas.microsoft.com/office/drawing/2010/main">
                 <a:solidFill>
                   <a:srgbClr val="FFFFFF"/>
                 </a:solidFill>
               </a14:hiddenFill>
             </a:ext>
-            <a:ext uri="{91240B29-F687-4f45-9708-019B960494DF}">
+            <a:ext uri="{91240B29-F687-4F45-9708-019B960494DF}">
               <a14:hiddenLine xmlns:a14="http://schemas.microsoft.com/office/drawing/2010/main" w="9525">
                 <a:solidFill>
                   <a:srgbClr val="000000"/>
@@ -15164,7 +15213,7 @@
                 <a:latin typeface="Garamond" charset="0"/>
                 <a:cs typeface="Arial" charset="0"/>
               </a:rPr>
-              <a:t>4/14/16</a:t>
+              <a:t>4/15/2016</a:t>
             </a:fld>
             <a:endParaRPr lang="en-US" sz="1200">
               <a:latin typeface="Garamond" charset="0"/>
@@ -15213,14 +15262,14 @@
           <a:noFill/>
           <a:ln/>
           <a:extLst>
-            <a:ext uri="{909E8E84-426E-40dd-AFC4-6F175D3DCCD1}">
+            <a:ext uri="{909E8E84-426E-40DD-AFC4-6F175D3DCCD1}">
               <a14:hiddenFill xmlns:a14="http://schemas.microsoft.com/office/drawing/2010/main">
                 <a:solidFill>
                   <a:srgbClr val="FFFFFF"/>
                 </a:solidFill>
               </a14:hiddenFill>
             </a:ext>
-            <a:ext uri="{91240B29-F687-4f45-9708-019B960494DF}">
+            <a:ext uri="{91240B29-F687-4F45-9708-019B960494DF}">
               <a14:hiddenLine xmlns:a14="http://schemas.microsoft.com/office/drawing/2010/main" w="9525">
                 <a:solidFill>
                   <a:srgbClr val="000000"/>
@@ -15343,6 +15392,13 @@
   <p:clrMapOvr>
     <a:masterClrMapping/>
   </p:clrMapOvr>
+  <p:timing>
+    <p:tnLst>
+      <p:par>
+        <p:cTn id="1" dur="indefinite" restart="never" nodeType="tmRoot"/>
+      </p:par>
+    </p:tnLst>
+  </p:timing>
 </p:sld>
 </file>
 
@@ -15741,14 +15797,14 @@
           <a:noFill/>
           <a:ln/>
           <a:extLst>
-            <a:ext uri="{909E8E84-426E-40dd-AFC4-6F175D3DCCD1}">
+            <a:ext uri="{909E8E84-426E-40DD-AFC4-6F175D3DCCD1}">
               <a14:hiddenFill xmlns:a14="http://schemas.microsoft.com/office/drawing/2010/main">
                 <a:solidFill>
                   <a:srgbClr val="FFFFFF"/>
                 </a:solidFill>
               </a14:hiddenFill>
             </a:ext>
-            <a:ext uri="{91240B29-F687-4f45-9708-019B960494DF}">
+            <a:ext uri="{91240B29-F687-4F45-9708-019B960494DF}">
               <a14:hiddenLine xmlns:a14="http://schemas.microsoft.com/office/drawing/2010/main" w="9525">
                 <a:solidFill>
                   <a:srgbClr val="000000"/>
@@ -15856,7 +15912,7 @@
                 <a:latin typeface="Garamond" charset="0"/>
                 <a:cs typeface="Arial" charset="0"/>
               </a:rPr>
-              <a:t>4/14/16</a:t>
+              <a:t>4/15/2016</a:t>
             </a:fld>
             <a:endParaRPr lang="en-US" sz="1200">
               <a:latin typeface="Garamond" charset="0"/>
@@ -15905,14 +15961,14 @@
           <a:noFill/>
           <a:ln/>
           <a:extLst>
-            <a:ext uri="{909E8E84-426E-40dd-AFC4-6F175D3DCCD1}">
+            <a:ext uri="{909E8E84-426E-40DD-AFC4-6F175D3DCCD1}">
               <a14:hiddenFill xmlns:a14="http://schemas.microsoft.com/office/drawing/2010/main">
                 <a:solidFill>
                   <a:srgbClr val="FFFFFF"/>
                 </a:solidFill>
               </a14:hiddenFill>
             </a:ext>
-            <a:ext uri="{91240B29-F687-4f45-9708-019B960494DF}">
+            <a:ext uri="{91240B29-F687-4F45-9708-019B960494DF}">
               <a14:hiddenLine xmlns:a14="http://schemas.microsoft.com/office/drawing/2010/main" w="9525">
                 <a:solidFill>
                   <a:srgbClr val="000000"/>
@@ -16035,6 +16091,13 @@
   <p:clrMapOvr>
     <a:masterClrMapping/>
   </p:clrMapOvr>
+  <p:timing>
+    <p:tnLst>
+      <p:par>
+        <p:cTn id="1" dur="indefinite" restart="never" nodeType="tmRoot"/>
+      </p:par>
+    </p:tnLst>
+  </p:timing>
 </p:sld>
 </file>
 
@@ -16557,14 +16620,14 @@
           <a:noFill/>
           <a:ln/>
           <a:extLst>
-            <a:ext uri="{909E8E84-426E-40dd-AFC4-6F175D3DCCD1}">
+            <a:ext uri="{909E8E84-426E-40DD-AFC4-6F175D3DCCD1}">
               <a14:hiddenFill xmlns:a14="http://schemas.microsoft.com/office/drawing/2010/main">
                 <a:solidFill>
                   <a:srgbClr val="FFFFFF"/>
                 </a:solidFill>
               </a14:hiddenFill>
             </a:ext>
-            <a:ext uri="{91240B29-F687-4f45-9708-019B960494DF}">
+            <a:ext uri="{91240B29-F687-4F45-9708-019B960494DF}">
               <a14:hiddenLine xmlns:a14="http://schemas.microsoft.com/office/drawing/2010/main" w="9525">
                 <a:solidFill>
                   <a:srgbClr val="000000"/>
@@ -16672,7 +16735,7 @@
                 <a:latin typeface="Garamond" charset="0"/>
                 <a:cs typeface="Arial" charset="0"/>
               </a:rPr>
-              <a:t>4/14/16</a:t>
+              <a:t>4/15/2016</a:t>
             </a:fld>
             <a:endParaRPr lang="en-US" sz="1200">
               <a:latin typeface="Garamond" charset="0"/>
@@ -16721,14 +16784,14 @@
           <a:noFill/>
           <a:ln/>
           <a:extLst>
-            <a:ext uri="{909E8E84-426E-40dd-AFC4-6F175D3DCCD1}">
+            <a:ext uri="{909E8E84-426E-40DD-AFC4-6F175D3DCCD1}">
               <a14:hiddenFill xmlns:a14="http://schemas.microsoft.com/office/drawing/2010/main">
                 <a:solidFill>
                   <a:srgbClr val="FFFFFF"/>
                 </a:solidFill>
               </a14:hiddenFill>
             </a:ext>
-            <a:ext uri="{91240B29-F687-4f45-9708-019B960494DF}">
+            <a:ext uri="{91240B29-F687-4F45-9708-019B960494DF}">
               <a14:hiddenLine xmlns:a14="http://schemas.microsoft.com/office/drawing/2010/main" w="9525">
                 <a:solidFill>
                   <a:srgbClr val="000000"/>
@@ -16854,7 +16917,7 @@
   <p:timing>
     <p:tnLst>
       <p:par>
-        <p:cTn xmlns:p14="http://schemas.microsoft.com/office/powerpoint/2010/main" id="1" dur="indefinite" restart="never" nodeType="tmRoot"/>
+        <p:cTn id="1" dur="indefinite" restart="never" nodeType="tmRoot"/>
       </p:par>
     </p:tnLst>
   </p:timing>
@@ -16914,7 +16977,9 @@
         </p:nvSpPr>
         <p:spPr/>
         <p:txBody>
-          <a:bodyPr/>
+          <a:bodyPr>
+            <a:normAutofit fontScale="92500"/>
+          </a:bodyPr>
           <a:lstStyle/>
           <a:p>
             <a:r>
@@ -16951,42 +17016,68 @@
             </a:r>
           </a:p>
           <a:p>
-            <a:pPr lvl="1">
-              <a:lnSpc>
-                <a:spcPct val="90000"/>
-              </a:lnSpc>
-            </a:pPr>
-            <a:r>
-              <a:rPr lang="en-US" sz="2200" dirty="0">
-                <a:latin typeface="Arial" charset="0"/>
-              </a:rPr>
-              <a:t>HW 5, 6 to be posted</a:t>
-            </a:r>
-          </a:p>
-          <a:p>
-            <a:pPr lvl="2">
-              <a:lnSpc>
-                <a:spcPct val="90000"/>
-              </a:lnSpc>
-            </a:pPr>
-            <a:r>
-              <a:rPr lang="en-US" sz="1900" dirty="0">
-                <a:latin typeface="Arial" charset="0"/>
-              </a:rPr>
-              <a:t>HW 5: Problem set</a:t>
-            </a:r>
-          </a:p>
-          <a:p>
-            <a:pPr lvl="2">
-              <a:lnSpc>
-                <a:spcPct val="90000"/>
-              </a:lnSpc>
-            </a:pPr>
-            <a:r>
-              <a:rPr lang="en-US" sz="1900" dirty="0">
-                <a:latin typeface="Arial" charset="0"/>
-              </a:rPr>
-              <a:t>HW 6: PIC programs (groups of 2 or 3)</a:t>
+            <a:pPr lvl="1"/>
+            <a:r>
+              <a:rPr lang="en-US" dirty="0"/>
+              <a:t>HW 7 due 4/20 by 1:00 PM</a:t>
+            </a:r>
+          </a:p>
+          <a:p>
+            <a:pPr lvl="1"/>
+            <a:r>
+              <a:rPr lang="en-US" dirty="0"/>
+              <a:t>HW 8: Working with </a:t>
+            </a:r>
+            <a:r>
+              <a:rPr lang="en-US" dirty="0" err="1"/>
+              <a:t>PICkits</a:t>
+            </a:r>
+            <a:r>
+              <a:rPr lang="en-US" dirty="0"/>
+              <a:t>—groups of up to 4 (3 preferred)</a:t>
+            </a:r>
+          </a:p>
+          <a:p>
+            <a:pPr lvl="2"/>
+            <a:r>
+              <a:rPr lang="en-US" dirty="0"/>
+              <a:t>Cannot check out kit without a group before 4/22</a:t>
+            </a:r>
+          </a:p>
+          <a:p>
+            <a:pPr lvl="2"/>
+            <a:r>
+              <a:rPr lang="en-US" dirty="0"/>
+              <a:t>Due 4/29 by 1:00 PM</a:t>
+            </a:r>
+          </a:p>
+          <a:p>
+            <a:pPr lvl="2"/>
+            <a:r>
+              <a:rPr lang="en-US" dirty="0"/>
+              <a:t>Will get extra points if HW submitted and </a:t>
+            </a:r>
+            <a:r>
+              <a:rPr lang="en-US" dirty="0" err="1"/>
+              <a:t>PICkit</a:t>
+            </a:r>
+            <a:r>
+              <a:rPr lang="en-US" dirty="0"/>
+              <a:t> returned early </a:t>
+            </a:r>
+          </a:p>
+          <a:p>
+            <a:pPr lvl="3"/>
+            <a:r>
+              <a:rPr lang="en-US" dirty="0"/>
+              <a:t>10% by 11:00 AM, Friday, 4/22</a:t>
+            </a:r>
+          </a:p>
+          <a:p>
+            <a:pPr lvl="3"/>
+            <a:r>
+              <a:rPr lang="en-US" dirty="0"/>
+              <a:t>5% by 1:00 PM, Monday, 4/25</a:t>
             </a:r>
           </a:p>
         </p:txBody>
@@ -17005,14 +17096,14 @@
           <a:noFill/>
           <a:ln/>
           <a:extLst>
-            <a:ext uri="{909E8E84-426E-40dd-AFC4-6F175D3DCCD1}">
+            <a:ext uri="{909E8E84-426E-40DD-AFC4-6F175D3DCCD1}">
               <a14:hiddenFill xmlns:a14="http://schemas.microsoft.com/office/drawing/2010/main">
                 <a:solidFill>
                   <a:srgbClr val="FFFFFF"/>
                 </a:solidFill>
               </a14:hiddenFill>
             </a:ext>
-            <a:ext uri="{91240B29-F687-4f45-9708-019B960494DF}">
+            <a:ext uri="{91240B29-F687-4F45-9708-019B960494DF}">
               <a14:hiddenLine xmlns:a14="http://schemas.microsoft.com/office/drawing/2010/main" w="9525">
                 <a:solidFill>
                   <a:srgbClr val="000000"/>
@@ -17120,7 +17211,7 @@
                 <a:latin typeface="Garamond" charset="0"/>
                 <a:cs typeface="Arial" charset="0"/>
               </a:rPr>
-              <a:t>4/14/16</a:t>
+              <a:t>4/15/2016</a:t>
             </a:fld>
             <a:endParaRPr lang="en-US" sz="1200">
               <a:latin typeface="Garamond" charset="0"/>
@@ -17169,14 +17260,14 @@
           <a:noFill/>
           <a:ln/>
           <a:extLst>
-            <a:ext uri="{909E8E84-426E-40dd-AFC4-6F175D3DCCD1}">
+            <a:ext uri="{909E8E84-426E-40DD-AFC4-6F175D3DCCD1}">
               <a14:hiddenFill xmlns:a14="http://schemas.microsoft.com/office/drawing/2010/main">
                 <a:solidFill>
                   <a:srgbClr val="FFFFFF"/>
                 </a:solidFill>
               </a14:hiddenFill>
             </a:ext>
-            <a:ext uri="{91240B29-F687-4f45-9708-019B960494DF}">
+            <a:ext uri="{91240B29-F687-4F45-9708-019B960494DF}">
               <a14:hiddenLine xmlns:a14="http://schemas.microsoft.com/office/drawing/2010/main" w="9525">
                 <a:solidFill>
                   <a:srgbClr val="000000"/>
@@ -17302,7 +17393,7 @@
   <p:timing>
     <p:tnLst>
       <p:par>
-        <p:cTn xmlns:p14="http://schemas.microsoft.com/office/powerpoint/2010/main" id="1" dur="indefinite" restart="never" nodeType="tmRoot"/>
+        <p:cTn id="1" dur="indefinite" restart="never" nodeType="tmRoot"/>
       </p:par>
     </p:tnLst>
   </p:timing>
@@ -17370,14 +17461,14 @@
           <a:noFill/>
           <a:ln/>
           <a:extLst>
-            <a:ext uri="{909E8E84-426E-40dd-AFC4-6F175D3DCCD1}">
+            <a:ext uri="{909E8E84-426E-40DD-AFC4-6F175D3DCCD1}">
               <a14:hiddenFill xmlns:a14="http://schemas.microsoft.com/office/drawing/2010/main">
                 <a:solidFill>
                   <a:srgbClr val="FFFFFF"/>
                 </a:solidFill>
               </a14:hiddenFill>
             </a:ext>
-            <a:ext uri="{91240B29-F687-4f45-9708-019B960494DF}">
+            <a:ext uri="{91240B29-F687-4F45-9708-019B960494DF}">
               <a14:hiddenLine xmlns:a14="http://schemas.microsoft.com/office/drawing/2010/main" w="9525">
                 <a:solidFill>
                   <a:srgbClr val="000000"/>
@@ -17484,7 +17575,7 @@
               <a:rPr lang="en-US" sz="1200" smtClean="0">
                 <a:latin typeface="Garamond" charset="0"/>
               </a:rPr>
-              <a:t>4/14/16</a:t>
+              <a:t>4/15/2016</a:t>
             </a:fld>
             <a:endParaRPr lang="en-US" sz="1200">
               <a:latin typeface="Garamond" charset="0"/>
@@ -17532,14 +17623,14 @@
           <a:noFill/>
           <a:ln/>
           <a:extLst>
-            <a:ext uri="{909E8E84-426E-40dd-AFC4-6F175D3DCCD1}">
+            <a:ext uri="{909E8E84-426E-40DD-AFC4-6F175D3DCCD1}">
               <a14:hiddenFill xmlns:a14="http://schemas.microsoft.com/office/drawing/2010/main">
                 <a:solidFill>
                   <a:srgbClr val="FFFFFF"/>
                 </a:solidFill>
               </a14:hiddenFill>
             </a:ext>
-            <a:ext uri="{91240B29-F687-4f45-9708-019B960494DF}">
+            <a:ext uri="{91240B29-F687-4F45-9708-019B960494DF}">
               <a14:hiddenLine xmlns:a14="http://schemas.microsoft.com/office/drawing/2010/main" w="9525">
                 <a:solidFill>
                   <a:srgbClr val="000000"/>
@@ -17689,14 +17780,14 @@
             <a:noFill/>
           </a:ln>
           <a:extLst>
-            <a:ext uri="{909E8E84-426E-40dd-AFC4-6F175D3DCCD1}">
+            <a:ext uri="{909E8E84-426E-40DD-AFC4-6F175D3DCCD1}">
               <a14:hiddenFill xmlns:a14="http://schemas.microsoft.com/office/drawing/2010/main">
                 <a:solidFill>
                   <a:schemeClr val="accent1"/>
                 </a:solidFill>
               </a14:hiddenFill>
             </a:ext>
-            <a:ext uri="{91240B29-F687-4f45-9708-019B960494DF}">
+            <a:ext uri="{91240B29-F687-4F45-9708-019B960494DF}">
               <a14:hiddenLine xmlns:a14="http://schemas.microsoft.com/office/drawing/2010/main" w="9525">
                 <a:solidFill>
                   <a:schemeClr val="tx1"/>
@@ -17722,7 +17813,7 @@
   <p:timing>
     <p:tnLst>
       <p:par>
-        <p:cTn xmlns:p14="http://schemas.microsoft.com/office/powerpoint/2010/main" id="1" dur="indefinite" restart="never" nodeType="tmRoot"/>
+        <p:cTn id="1" dur="indefinite" restart="never" nodeType="tmRoot"/>
       </p:par>
     </p:tnLst>
   </p:timing>
@@ -17945,14 +18036,14 @@
           <a:noFill/>
           <a:ln/>
           <a:extLst>
-            <a:ext uri="{909E8E84-426E-40dd-AFC4-6F175D3DCCD1}">
+            <a:ext uri="{909E8E84-426E-40DD-AFC4-6F175D3DCCD1}">
               <a14:hiddenFill xmlns:a14="http://schemas.microsoft.com/office/drawing/2010/main">
                 <a:solidFill>
                   <a:srgbClr val="FFFFFF"/>
                 </a:solidFill>
               </a14:hiddenFill>
             </a:ext>
-            <a:ext uri="{91240B29-F687-4f45-9708-019B960494DF}">
+            <a:ext uri="{91240B29-F687-4F45-9708-019B960494DF}">
               <a14:hiddenLine xmlns:a14="http://schemas.microsoft.com/office/drawing/2010/main" w="9525">
                 <a:solidFill>
                   <a:srgbClr val="000000"/>
@@ -18059,7 +18150,7 @@
               <a:rPr lang="en-US" sz="1200" smtClean="0">
                 <a:latin typeface="Garamond" charset="0"/>
               </a:rPr>
-              <a:t>4/14/16</a:t>
+              <a:t>4/15/2016</a:t>
             </a:fld>
             <a:endParaRPr lang="en-US" sz="1200">
               <a:latin typeface="Garamond" charset="0"/>
@@ -18107,14 +18198,14 @@
           <a:noFill/>
           <a:ln/>
           <a:extLst>
-            <a:ext uri="{909E8E84-426E-40dd-AFC4-6F175D3DCCD1}">
+            <a:ext uri="{909E8E84-426E-40DD-AFC4-6F175D3DCCD1}">
               <a14:hiddenFill xmlns:a14="http://schemas.microsoft.com/office/drawing/2010/main">
                 <a:solidFill>
                   <a:srgbClr val="FFFFFF"/>
                 </a:solidFill>
               </a14:hiddenFill>
             </a:ext>
-            <a:ext uri="{91240B29-F687-4f45-9708-019B960494DF}">
+            <a:ext uri="{91240B29-F687-4F45-9708-019B960494DF}">
               <a14:hiddenLine xmlns:a14="http://schemas.microsoft.com/office/drawing/2010/main" w="9525">
                 <a:solidFill>
                   <a:srgbClr val="000000"/>
@@ -18243,7 +18334,7 @@
   <p:timing>
     <p:tnLst>
       <p:par>
-        <p:cTn xmlns:p14="http://schemas.microsoft.com/office/powerpoint/2010/main" id="1" dur="indefinite" restart="never" nodeType="tmRoot"/>
+        <p:cTn id="1" dur="indefinite" restart="never" nodeType="tmRoot"/>
       </p:par>
     </p:tnLst>
   </p:timing>
@@ -18842,14 +18933,14 @@
           <a:noFill/>
           <a:ln/>
           <a:extLst>
-            <a:ext uri="{909E8E84-426E-40dd-AFC4-6F175D3DCCD1}">
+            <a:ext uri="{909E8E84-426E-40DD-AFC4-6F175D3DCCD1}">
               <a14:hiddenFill xmlns:a14="http://schemas.microsoft.com/office/drawing/2010/main">
                 <a:solidFill>
                   <a:srgbClr val="FFFFFF"/>
                 </a:solidFill>
               </a14:hiddenFill>
             </a:ext>
-            <a:ext uri="{91240B29-F687-4f45-9708-019B960494DF}">
+            <a:ext uri="{91240B29-F687-4F45-9708-019B960494DF}">
               <a14:hiddenLine xmlns:a14="http://schemas.microsoft.com/office/drawing/2010/main" w="9525">
                 <a:solidFill>
                   <a:srgbClr val="000000"/>
@@ -18956,7 +19047,7 @@
               <a:rPr lang="en-US" sz="1200" smtClean="0">
                 <a:latin typeface="Garamond" charset="0"/>
               </a:rPr>
-              <a:t>4/14/16</a:t>
+              <a:t>4/15/2016</a:t>
             </a:fld>
             <a:endParaRPr lang="en-US" sz="1200">
               <a:latin typeface="Garamond" charset="0"/>
@@ -19004,14 +19095,14 @@
           <a:noFill/>
           <a:ln/>
           <a:extLst>
-            <a:ext uri="{909E8E84-426E-40dd-AFC4-6F175D3DCCD1}">
+            <a:ext uri="{909E8E84-426E-40DD-AFC4-6F175D3DCCD1}">
               <a14:hiddenFill xmlns:a14="http://schemas.microsoft.com/office/drawing/2010/main">
                 <a:solidFill>
                   <a:srgbClr val="FFFFFF"/>
                 </a:solidFill>
               </a14:hiddenFill>
             </a:ext>
-            <a:ext uri="{91240B29-F687-4f45-9708-019B960494DF}">
+            <a:ext uri="{91240B29-F687-4F45-9708-019B960494DF}">
               <a14:hiddenLine xmlns:a14="http://schemas.microsoft.com/office/drawing/2010/main" w="9525">
                 <a:solidFill>
                   <a:srgbClr val="000000"/>
@@ -19140,7 +19231,7 @@
   <p:timing>
     <p:tnLst>
       <p:par>
-        <p:cTn xmlns:p14="http://schemas.microsoft.com/office/powerpoint/2010/main" id="1" dur="indefinite" restart="never" nodeType="tmRoot"/>
+        <p:cTn id="1" dur="indefinite" restart="never" nodeType="tmRoot"/>
       </p:par>
     </p:tnLst>
   </p:timing>
@@ -19668,14 +19759,14 @@
           <a:noFill/>
           <a:ln/>
           <a:extLst>
-            <a:ext uri="{909E8E84-426E-40dd-AFC4-6F175D3DCCD1}">
+            <a:ext uri="{909E8E84-426E-40DD-AFC4-6F175D3DCCD1}">
               <a14:hiddenFill xmlns:a14="http://schemas.microsoft.com/office/drawing/2010/main">
                 <a:solidFill>
                   <a:srgbClr val="FFFFFF"/>
                 </a:solidFill>
               </a14:hiddenFill>
             </a:ext>
-            <a:ext uri="{91240B29-F687-4f45-9708-019B960494DF}">
+            <a:ext uri="{91240B29-F687-4F45-9708-019B960494DF}">
               <a14:hiddenLine xmlns:a14="http://schemas.microsoft.com/office/drawing/2010/main" w="9525">
                 <a:solidFill>
                   <a:srgbClr val="000000"/>
@@ -19782,7 +19873,7 @@
               <a:rPr lang="en-US" sz="1200" smtClean="0">
                 <a:latin typeface="Garamond" charset="0"/>
               </a:rPr>
-              <a:t>4/14/16</a:t>
+              <a:t>4/15/2016</a:t>
             </a:fld>
             <a:endParaRPr lang="en-US" sz="1200">
               <a:latin typeface="Garamond" charset="0"/>
@@ -19830,14 +19921,14 @@
           <a:noFill/>
           <a:ln/>
           <a:extLst>
-            <a:ext uri="{909E8E84-426E-40dd-AFC4-6F175D3DCCD1}">
+            <a:ext uri="{909E8E84-426E-40DD-AFC4-6F175D3DCCD1}">
               <a14:hiddenFill xmlns:a14="http://schemas.microsoft.com/office/drawing/2010/main">
                 <a:solidFill>
                   <a:srgbClr val="FFFFFF"/>
                 </a:solidFill>
               </a14:hiddenFill>
             </a:ext>
-            <a:ext uri="{91240B29-F687-4f45-9708-019B960494DF}">
+            <a:ext uri="{91240B29-F687-4F45-9708-019B960494DF}">
               <a14:hiddenLine xmlns:a14="http://schemas.microsoft.com/office/drawing/2010/main" w="9525">
                 <a:solidFill>
                   <a:srgbClr val="000000"/>
@@ -19966,7 +20057,7 @@
   <p:timing>
     <p:tnLst>
       <p:par>
-        <p:cTn xmlns:p14="http://schemas.microsoft.com/office/powerpoint/2010/main" id="1" dur="indefinite" restart="never" nodeType="tmRoot"/>
+        <p:cTn id="1" dur="indefinite" restart="never" nodeType="tmRoot"/>
       </p:par>
     </p:tnLst>
   </p:timing>
@@ -20562,14 +20653,14 @@
           <a:noFill/>
           <a:ln/>
           <a:extLst>
-            <a:ext uri="{909E8E84-426E-40dd-AFC4-6F175D3DCCD1}">
+            <a:ext uri="{909E8E84-426E-40DD-AFC4-6F175D3DCCD1}">
               <a14:hiddenFill xmlns:a14="http://schemas.microsoft.com/office/drawing/2010/main">
                 <a:solidFill>
                   <a:srgbClr val="FFFFFF"/>
                 </a:solidFill>
               </a14:hiddenFill>
             </a:ext>
-            <a:ext uri="{91240B29-F687-4f45-9708-019B960494DF}">
+            <a:ext uri="{91240B29-F687-4F45-9708-019B960494DF}">
               <a14:hiddenLine xmlns:a14="http://schemas.microsoft.com/office/drawing/2010/main" w="9525">
                 <a:solidFill>
                   <a:srgbClr val="000000"/>
@@ -20676,7 +20767,7 @@
               <a:rPr lang="en-US" sz="1200" smtClean="0">
                 <a:latin typeface="Garamond" charset="0"/>
               </a:rPr>
-              <a:t>4/14/16</a:t>
+              <a:t>4/15/2016</a:t>
             </a:fld>
             <a:endParaRPr lang="en-US" sz="1200">
               <a:latin typeface="Garamond" charset="0"/>
@@ -20724,14 +20815,14 @@
           <a:noFill/>
           <a:ln/>
           <a:extLst>
-            <a:ext uri="{909E8E84-426E-40dd-AFC4-6F175D3DCCD1}">
+            <a:ext uri="{909E8E84-426E-40DD-AFC4-6F175D3DCCD1}">
               <a14:hiddenFill xmlns:a14="http://schemas.microsoft.com/office/drawing/2010/main">
                 <a:solidFill>
                   <a:srgbClr val="FFFFFF"/>
                 </a:solidFill>
               </a14:hiddenFill>
             </a:ext>
-            <a:ext uri="{91240B29-F687-4f45-9708-019B960494DF}">
+            <a:ext uri="{91240B29-F687-4F45-9708-019B960494DF}">
               <a14:hiddenLine xmlns:a14="http://schemas.microsoft.com/office/drawing/2010/main" w="9525">
                 <a:solidFill>
                   <a:srgbClr val="000000"/>
@@ -20860,7 +20951,7 @@
   <p:timing>
     <p:tnLst>
       <p:par>
-        <p:cTn xmlns:p14="http://schemas.microsoft.com/office/powerpoint/2010/main" id="1" dur="indefinite" restart="never" nodeType="tmRoot"/>
+        <p:cTn id="1" dur="indefinite" restart="never" nodeType="tmRoot"/>
       </p:par>
     </p:tnLst>
   </p:timing>
@@ -21116,14 +21207,14 @@
           <a:noFill/>
           <a:ln/>
           <a:extLst>
-            <a:ext uri="{909E8E84-426E-40dd-AFC4-6F175D3DCCD1}">
+            <a:ext uri="{909E8E84-426E-40DD-AFC4-6F175D3DCCD1}">
               <a14:hiddenFill xmlns:a14="http://schemas.microsoft.com/office/drawing/2010/main">
                 <a:solidFill>
                   <a:srgbClr val="FFFFFF"/>
                 </a:solidFill>
               </a14:hiddenFill>
             </a:ext>
-            <a:ext uri="{91240B29-F687-4f45-9708-019B960494DF}">
+            <a:ext uri="{91240B29-F687-4F45-9708-019B960494DF}">
               <a14:hiddenLine xmlns:a14="http://schemas.microsoft.com/office/drawing/2010/main" w="9525">
                 <a:solidFill>
                   <a:srgbClr val="000000"/>
@@ -21231,7 +21322,7 @@
                 <a:latin typeface="Garamond" charset="0"/>
                 <a:cs typeface="Arial" charset="0"/>
               </a:rPr>
-              <a:t>4/14/16</a:t>
+              <a:t>4/15/2016</a:t>
             </a:fld>
             <a:endParaRPr lang="en-US" sz="1200">
               <a:latin typeface="Garamond" charset="0"/>
@@ -21280,14 +21371,14 @@
           <a:noFill/>
           <a:ln/>
           <a:extLst>
-            <a:ext uri="{909E8E84-426E-40dd-AFC4-6F175D3DCCD1}">
+            <a:ext uri="{909E8E84-426E-40DD-AFC4-6F175D3DCCD1}">
               <a14:hiddenFill xmlns:a14="http://schemas.microsoft.com/office/drawing/2010/main">
                 <a:solidFill>
                   <a:srgbClr val="FFFFFF"/>
                 </a:solidFill>
               </a14:hiddenFill>
             </a:ext>
-            <a:ext uri="{91240B29-F687-4f45-9708-019B960494DF}">
+            <a:ext uri="{91240B29-F687-4F45-9708-019B960494DF}">
               <a14:hiddenLine xmlns:a14="http://schemas.microsoft.com/office/drawing/2010/main" w="9525">
                 <a:solidFill>
                   <a:srgbClr val="000000"/>
@@ -21413,7 +21504,7 @@
   <p:timing>
     <p:tnLst>
       <p:par>
-        <p:cTn xmlns:p14="http://schemas.microsoft.com/office/powerpoint/2010/main" id="1" dur="indefinite" restart="never" nodeType="tmRoot"/>
+        <p:cTn id="1" dur="indefinite" restart="never" nodeType="tmRoot"/>
       </p:par>
     </p:tnLst>
   </p:timing>
@@ -21630,14 +21721,14 @@
           <a:noFill/>
           <a:ln/>
           <a:extLst>
-            <a:ext uri="{909E8E84-426E-40dd-AFC4-6F175D3DCCD1}">
+            <a:ext uri="{909E8E84-426E-40DD-AFC4-6F175D3DCCD1}">
               <a14:hiddenFill xmlns:a14="http://schemas.microsoft.com/office/drawing/2010/main">
                 <a:solidFill>
                   <a:srgbClr val="FFFFFF"/>
                 </a:solidFill>
               </a14:hiddenFill>
             </a:ext>
-            <a:ext uri="{91240B29-F687-4f45-9708-019B960494DF}">
+            <a:ext uri="{91240B29-F687-4F45-9708-019B960494DF}">
               <a14:hiddenLine xmlns:a14="http://schemas.microsoft.com/office/drawing/2010/main" w="9525">
                 <a:solidFill>
                   <a:srgbClr val="000000"/>
@@ -21745,7 +21836,7 @@
                 <a:latin typeface="Garamond" charset="0"/>
                 <a:cs typeface="Arial" charset="0"/>
               </a:rPr>
-              <a:t>4/14/16</a:t>
+              <a:t>4/15/2016</a:t>
             </a:fld>
             <a:endParaRPr lang="en-US" sz="1200">
               <a:latin typeface="Garamond" charset="0"/>
@@ -21794,14 +21885,14 @@
           <a:noFill/>
           <a:ln/>
           <a:extLst>
-            <a:ext uri="{909E8E84-426E-40dd-AFC4-6F175D3DCCD1}">
+            <a:ext uri="{909E8E84-426E-40DD-AFC4-6F175D3DCCD1}">
               <a14:hiddenFill xmlns:a14="http://schemas.microsoft.com/office/drawing/2010/main">
                 <a:solidFill>
                   <a:srgbClr val="FFFFFF"/>
                 </a:solidFill>
               </a14:hiddenFill>
             </a:ext>
-            <a:ext uri="{91240B29-F687-4f45-9708-019B960494DF}">
+            <a:ext uri="{91240B29-F687-4F45-9708-019B960494DF}">
               <a14:hiddenLine xmlns:a14="http://schemas.microsoft.com/office/drawing/2010/main" w="9525">
                 <a:solidFill>
                   <a:srgbClr val="000000"/>
@@ -21927,7 +22018,7 @@
   <p:timing>
     <p:tnLst>
       <p:par>
-        <p:cTn xmlns:p14="http://schemas.microsoft.com/office/powerpoint/2010/main" id="1" dur="indefinite" restart="never" nodeType="tmRoot"/>
+        <p:cTn id="1" dur="indefinite" restart="never" nodeType="tmRoot"/>
       </p:par>
     </p:tnLst>
   </p:timing>
